--- a/VaxPowerpoint.pptx
+++ b/VaxPowerpoint.pptx
@@ -267,7 +267,7 @@
           <a:p>
             <a:fld id="{D5DA3CF4-EAC2-4CD0-910D-6EF1EE5376EC}" type="datetimeFigureOut">
               <a:rPr lang="en-US" smtClean="0"/>
-              <a:t>4/15/2020</a:t>
+              <a:t>4/29/2020</a:t>
             </a:fld>
             <a:endParaRPr lang="en-US"/>
           </a:p>
@@ -465,7 +465,7 @@
           <a:p>
             <a:fld id="{D5DA3CF4-EAC2-4CD0-910D-6EF1EE5376EC}" type="datetimeFigureOut">
               <a:rPr lang="en-US" smtClean="0"/>
-              <a:t>4/15/2020</a:t>
+              <a:t>4/29/2020</a:t>
             </a:fld>
             <a:endParaRPr lang="en-US"/>
           </a:p>
@@ -673,7 +673,7 @@
           <a:p>
             <a:fld id="{D5DA3CF4-EAC2-4CD0-910D-6EF1EE5376EC}" type="datetimeFigureOut">
               <a:rPr lang="en-US" smtClean="0"/>
-              <a:t>4/15/2020</a:t>
+              <a:t>4/29/2020</a:t>
             </a:fld>
             <a:endParaRPr lang="en-US"/>
           </a:p>
@@ -871,7 +871,7 @@
           <a:p>
             <a:fld id="{D5DA3CF4-EAC2-4CD0-910D-6EF1EE5376EC}" type="datetimeFigureOut">
               <a:rPr lang="en-US" smtClean="0"/>
-              <a:t>4/15/2020</a:t>
+              <a:t>4/29/2020</a:t>
             </a:fld>
             <a:endParaRPr lang="en-US"/>
           </a:p>
@@ -1146,7 +1146,7 @@
           <a:p>
             <a:fld id="{D5DA3CF4-EAC2-4CD0-910D-6EF1EE5376EC}" type="datetimeFigureOut">
               <a:rPr lang="en-US" smtClean="0"/>
-              <a:t>4/15/2020</a:t>
+              <a:t>4/29/2020</a:t>
             </a:fld>
             <a:endParaRPr lang="en-US"/>
           </a:p>
@@ -1411,7 +1411,7 @@
           <a:p>
             <a:fld id="{D5DA3CF4-EAC2-4CD0-910D-6EF1EE5376EC}" type="datetimeFigureOut">
               <a:rPr lang="en-US" smtClean="0"/>
-              <a:t>4/15/2020</a:t>
+              <a:t>4/29/2020</a:t>
             </a:fld>
             <a:endParaRPr lang="en-US"/>
           </a:p>
@@ -1823,7 +1823,7 @@
           <a:p>
             <a:fld id="{D5DA3CF4-EAC2-4CD0-910D-6EF1EE5376EC}" type="datetimeFigureOut">
               <a:rPr lang="en-US" smtClean="0"/>
-              <a:t>4/15/2020</a:t>
+              <a:t>4/29/2020</a:t>
             </a:fld>
             <a:endParaRPr lang="en-US"/>
           </a:p>
@@ -1964,7 +1964,7 @@
           <a:p>
             <a:fld id="{D5DA3CF4-EAC2-4CD0-910D-6EF1EE5376EC}" type="datetimeFigureOut">
               <a:rPr lang="en-US" smtClean="0"/>
-              <a:t>4/15/2020</a:t>
+              <a:t>4/29/2020</a:t>
             </a:fld>
             <a:endParaRPr lang="en-US"/>
           </a:p>
@@ -2077,7 +2077,7 @@
           <a:p>
             <a:fld id="{D5DA3CF4-EAC2-4CD0-910D-6EF1EE5376EC}" type="datetimeFigureOut">
               <a:rPr lang="en-US" smtClean="0"/>
-              <a:t>4/15/2020</a:t>
+              <a:t>4/29/2020</a:t>
             </a:fld>
             <a:endParaRPr lang="en-US"/>
           </a:p>
@@ -2388,7 +2388,7 @@
           <a:p>
             <a:fld id="{D5DA3CF4-EAC2-4CD0-910D-6EF1EE5376EC}" type="datetimeFigureOut">
               <a:rPr lang="en-US" smtClean="0"/>
-              <a:t>4/15/2020</a:t>
+              <a:t>4/29/2020</a:t>
             </a:fld>
             <a:endParaRPr lang="en-US"/>
           </a:p>
@@ -2676,7 +2676,7 @@
           <a:p>
             <a:fld id="{D5DA3CF4-EAC2-4CD0-910D-6EF1EE5376EC}" type="datetimeFigureOut">
               <a:rPr lang="en-US" smtClean="0"/>
-              <a:t>4/15/2020</a:t>
+              <a:t>4/29/2020</a:t>
             </a:fld>
             <a:endParaRPr lang="en-US"/>
           </a:p>
@@ -2917,7 +2917,7 @@
           <a:p>
             <a:fld id="{D5DA3CF4-EAC2-4CD0-910D-6EF1EE5376EC}" type="datetimeFigureOut">
               <a:rPr lang="en-US" smtClean="0"/>
-              <a:t>4/15/2020</a:t>
+              <a:t>4/29/2020</a:t>
             </a:fld>
             <a:endParaRPr lang="en-US"/>
           </a:p>
@@ -4518,10 +4518,10 @@
       </p:sp>
       <p:pic>
         <p:nvPicPr>
-          <p:cNvPr id="4" name="Picture 3">
-            <a:extLst>
-              <a:ext uri="{FF2B5EF4-FFF2-40B4-BE49-F238E27FC236}">
-                <a16:creationId xmlns:a16="http://schemas.microsoft.com/office/drawing/2014/main" id="{A2DC157E-B58F-478C-9F09-D8564B3D0CE8}"/>
+          <p:cNvPr id="3" name="Picture 2">
+            <a:extLst>
+              <a:ext uri="{FF2B5EF4-FFF2-40B4-BE49-F238E27FC236}">
+                <a16:creationId xmlns:a16="http://schemas.microsoft.com/office/drawing/2014/main" id="{7A955CFA-893C-4F4D-8B03-320E7CE9F104}"/>
               </a:ext>
             </a:extLst>
           </p:cNvPr>
@@ -4530,15 +4530,16 @@
           </p:cNvPicPr>
           <p:nvPr/>
         </p:nvPicPr>
-        <p:blipFill rotWithShape="1">
+        <p:blipFill>
           <a:blip r:embed="rId2"/>
-          <a:srcRect r="8075"/>
-          <a:stretch/>
+          <a:stretch>
+            <a:fillRect/>
+          </a:stretch>
         </p:blipFill>
         <p:spPr>
           <a:xfrm>
-            <a:off x="2649256" y="0"/>
-            <a:ext cx="9542744" cy="6858000"/>
+            <a:off x="3157539" y="-1"/>
+            <a:ext cx="9034462" cy="6824419"/>
           </a:xfrm>
           <a:prstGeom prst="rect">
             <a:avLst/>
